--- a/99_pranning/卒プレアーカイブ_金崎.pptx
+++ b/99_pranning/卒プレアーカイブ_金崎.pptx
@@ -4822,10 +4822,10 @@
       </p:grpSpPr>
       <p:pic>
         <p:nvPicPr>
-          <p:cNvPr id="16" name="図 15" descr="テキスト が含まれている画像&#10;&#10;自動的に生成された説明">
+          <p:cNvPr id="19" name="図 18" descr="テキスト&#10;&#10;自動的に生成された説明">
             <a:extLst>
               <a:ext uri="{FF2B5EF4-FFF2-40B4-BE49-F238E27FC236}">
-                <a16:creationId xmlns:a16="http://schemas.microsoft.com/office/drawing/2014/main" id="{8F26DEE9-83A4-CB5D-607E-01A6C6FD6470}"/>
+                <a16:creationId xmlns:a16="http://schemas.microsoft.com/office/drawing/2014/main" id="{F9C1504D-7FE3-DC98-5ED3-36CA12D3E44C}"/>
               </a:ext>
             </a:extLst>
           </p:cNvPr>
@@ -4848,8 +4848,8 @@
         </p:blipFill>
         <p:spPr>
           <a:xfrm>
-            <a:off x="8023575" y="927737"/>
-            <a:ext cx="3197235" cy="1798445"/>
+            <a:off x="3499964" y="1139144"/>
+            <a:ext cx="3193691" cy="1796451"/>
           </a:xfrm>
           <a:prstGeom prst="rect">
             <a:avLst/>
@@ -4922,8 +4922,8 @@
         </p:nvSpPr>
         <p:spPr>
           <a:xfrm rot="20748812">
-            <a:off x="311058" y="1091697"/>
-            <a:ext cx="2698175" cy="523220"/>
+            <a:off x="102114" y="1030142"/>
+            <a:ext cx="3416320" cy="646331"/>
           </a:xfrm>
           <a:prstGeom prst="rect">
             <a:avLst/>
@@ -4937,7 +4937,7 @@
           <a:lstStyle/>
           <a:p>
             <a:r>
-              <a:rPr kumimoji="1" lang="ja-JP" altLang="en-US" sz="2800" dirty="0">
+              <a:rPr kumimoji="1" lang="ja-JP" altLang="en-US" sz="3600" dirty="0">
                 <a:solidFill>
                   <a:schemeClr val="bg1"/>
                 </a:solidFill>
@@ -4971,8 +4971,8 @@
         </p:nvSpPr>
         <p:spPr>
           <a:xfrm rot="20748812">
-            <a:off x="389650" y="3228709"/>
-            <a:ext cx="1980029" cy="523220"/>
+            <a:off x="105874" y="3167154"/>
+            <a:ext cx="2492990" cy="646331"/>
           </a:xfrm>
           <a:prstGeom prst="rect">
             <a:avLst/>
@@ -4986,7 +4986,7 @@
           <a:lstStyle/>
           <a:p>
             <a:r>
-              <a:rPr kumimoji="1" lang="ja-JP" altLang="en-US" sz="2800" dirty="0">
+              <a:rPr kumimoji="1" lang="ja-JP" altLang="en-US" sz="3600" dirty="0">
                 <a:solidFill>
                   <a:schemeClr val="bg1"/>
                 </a:solidFill>
@@ -5020,8 +5020,8 @@
         </p:nvSpPr>
         <p:spPr>
           <a:xfrm rot="20748812">
-            <a:off x="415298" y="5359136"/>
-            <a:ext cx="1620957" cy="523220"/>
+            <a:off x="141874" y="5297581"/>
+            <a:ext cx="2031325" cy="646331"/>
           </a:xfrm>
           <a:prstGeom prst="rect">
             <a:avLst/>
@@ -5035,7 +5035,7 @@
           <a:lstStyle/>
           <a:p>
             <a:r>
-              <a:rPr kumimoji="1" lang="ja-JP" altLang="en-US" sz="2800" dirty="0">
+              <a:rPr kumimoji="1" lang="ja-JP" altLang="en-US" sz="3600" dirty="0">
                 <a:solidFill>
                   <a:schemeClr val="bg1"/>
                 </a:solidFill>
@@ -5069,8 +5069,8 @@
         </p:nvSpPr>
         <p:spPr>
           <a:xfrm rot="20748812">
-            <a:off x="403298" y="7551637"/>
-            <a:ext cx="1980029" cy="523220"/>
+            <a:off x="146818" y="7490082"/>
+            <a:ext cx="2492990" cy="646331"/>
           </a:xfrm>
           <a:prstGeom prst="rect">
             <a:avLst/>
@@ -5084,7 +5084,7 @@
           <a:lstStyle/>
           <a:p>
             <a:r>
-              <a:rPr kumimoji="1" lang="ja-JP" altLang="en-US" sz="2800" dirty="0">
+              <a:rPr kumimoji="1" lang="ja-JP" altLang="en-US" sz="3600" dirty="0">
                 <a:solidFill>
                   <a:schemeClr val="bg1"/>
                 </a:solidFill>
@@ -5119,7 +5119,7 @@
         <p:spPr>
           <a:xfrm>
             <a:off x="3004489" y="2391430"/>
-            <a:ext cx="184731" cy="461665"/>
+            <a:ext cx="184731" cy="584775"/>
           </a:xfrm>
           <a:prstGeom prst="rect">
             <a:avLst/>
@@ -5132,61 +5132,10 @@
           </a:bodyPr>
           <a:lstStyle/>
           <a:p>
-            <a:endParaRPr kumimoji="1" lang="ja-JP" altLang="en-US" sz="2400" dirty="0">
+            <a:endParaRPr kumimoji="1" lang="ja-JP" altLang="en-US" sz="3200" dirty="0">
               <a:latin typeface="ノスタルドット（M+）" panose="020B0302020203020207" pitchFamily="50" charset="-128"/>
               <a:ea typeface="ノスタルドット（M+）" panose="020B0302020203020207" pitchFamily="50" charset="-128"/>
             </a:endParaRPr>
-          </a:p>
-        </p:txBody>
-      </p:sp>
-      <p:sp>
-        <p:nvSpPr>
-          <p:cNvPr id="18" name="テキスト ボックス 17">
-            <a:extLst>
-              <a:ext uri="{FF2B5EF4-FFF2-40B4-BE49-F238E27FC236}">
-                <a16:creationId xmlns:a16="http://schemas.microsoft.com/office/drawing/2014/main" id="{D53871DA-4775-C272-D3BC-B7A52FA56173}"/>
-              </a:ext>
-            </a:extLst>
-          </p:cNvPr>
-          <p:cNvSpPr txBox="1"/>
-          <p:nvPr/>
-        </p:nvSpPr>
-        <p:spPr>
-          <a:xfrm>
-            <a:off x="903520" y="1826960"/>
-            <a:ext cx="2492990" cy="646331"/>
-          </a:xfrm>
-          <a:prstGeom prst="rect">
-            <a:avLst/>
-          </a:prstGeom>
-          <a:noFill/>
-        </p:spPr>
-        <p:txBody>
-          <a:bodyPr wrap="none" rtlCol="0">
-            <a:spAutoFit/>
-          </a:bodyPr>
-          <a:lstStyle/>
-          <a:p>
-            <a:r>
-              <a:rPr kumimoji="1" lang="ja-JP" altLang="en-US" dirty="0">
-                <a:latin typeface="ノスタルドット（M+）" panose="020B0302020203020207" pitchFamily="50" charset="-128"/>
-                <a:ea typeface="ノスタルドット（M+）" panose="020B0302020203020207" pitchFamily="50" charset="-128"/>
-              </a:rPr>
-              <a:t>ひとまず原作を</a:t>
-            </a:r>
-            <a:endParaRPr kumimoji="1" lang="en-US" altLang="ja-JP" dirty="0">
-              <a:latin typeface="ノスタルドット（M+）" panose="020B0302020203020207" pitchFamily="50" charset="-128"/>
-              <a:ea typeface="ノスタルドット（M+）" panose="020B0302020203020207" pitchFamily="50" charset="-128"/>
-            </a:endParaRPr>
-          </a:p>
-          <a:p>
-            <a:r>
-              <a:rPr kumimoji="1" lang="ja-JP" altLang="en-US" dirty="0">
-                <a:latin typeface="ノスタルドット（M+）" panose="020B0302020203020207" pitchFamily="50" charset="-128"/>
-                <a:ea typeface="ノスタルドット（M+）" panose="020B0302020203020207" pitchFamily="50" charset="-128"/>
-              </a:rPr>
-              <a:t>完全再現してみよう！</a:t>
-            </a:r>
           </a:p>
         </p:txBody>
       </p:sp>
@@ -5205,7 +5154,7 @@
         <p:spPr>
           <a:xfrm>
             <a:off x="3004489" y="4534293"/>
-            <a:ext cx="184731" cy="461665"/>
+            <a:ext cx="184731" cy="584775"/>
           </a:xfrm>
           <a:prstGeom prst="rect">
             <a:avLst/>
@@ -5218,62 +5167,7 @@
           </a:bodyPr>
           <a:lstStyle/>
           <a:p>
-            <a:endParaRPr kumimoji="1" lang="ja-JP" altLang="en-US" sz="2400" dirty="0">
-              <a:latin typeface="ノスタルドット（M+）" panose="020B0302020203020207" pitchFamily="50" charset="-128"/>
-              <a:ea typeface="ノスタルドット（M+）" panose="020B0302020203020207" pitchFamily="50" charset="-128"/>
-            </a:endParaRPr>
-          </a:p>
-        </p:txBody>
-      </p:sp>
-      <p:sp>
-        <p:nvSpPr>
-          <p:cNvPr id="22" name="テキスト ボックス 21">
-            <a:extLst>
-              <a:ext uri="{FF2B5EF4-FFF2-40B4-BE49-F238E27FC236}">
-                <a16:creationId xmlns:a16="http://schemas.microsoft.com/office/drawing/2014/main" id="{AC24D16A-B934-D817-D58D-492126E2EB64}"/>
-              </a:ext>
-            </a:extLst>
-          </p:cNvPr>
-          <p:cNvSpPr txBox="1"/>
-          <p:nvPr/>
-        </p:nvSpPr>
-        <p:spPr>
-          <a:xfrm>
-            <a:off x="864849" y="4040562"/>
-            <a:ext cx="2723823" cy="646331"/>
-          </a:xfrm>
-          <a:prstGeom prst="rect">
-            <a:avLst/>
-          </a:prstGeom>
-          <a:noFill/>
-        </p:spPr>
-        <p:txBody>
-          <a:bodyPr wrap="none" rtlCol="0">
-            <a:spAutoFit/>
-          </a:bodyPr>
-          <a:lstStyle/>
-          <a:p>
-            <a:r>
-              <a:rPr kumimoji="1" lang="ja-JP" altLang="en-US" dirty="0">
-                <a:latin typeface="ノスタルドット（M+）" panose="020B0302020203020207" pitchFamily="50" charset="-128"/>
-                <a:ea typeface="ノスタルドット（M+）" panose="020B0302020203020207" pitchFamily="50" charset="-128"/>
-              </a:rPr>
-              <a:t>原作の要素を残しつつ</a:t>
-            </a:r>
-            <a:endParaRPr kumimoji="1" lang="en-US" altLang="ja-JP" dirty="0">
-              <a:latin typeface="ノスタルドット（M+）" panose="020B0302020203020207" pitchFamily="50" charset="-128"/>
-              <a:ea typeface="ノスタルドット（M+）" panose="020B0302020203020207" pitchFamily="50" charset="-128"/>
-            </a:endParaRPr>
-          </a:p>
-          <a:p>
-            <a:r>
-              <a:rPr kumimoji="1" lang="ja-JP" altLang="en-US" dirty="0">
-                <a:latin typeface="ノスタルドット（M+）" panose="020B0302020203020207" pitchFamily="50" charset="-128"/>
-                <a:ea typeface="ノスタルドット（M+）" panose="020B0302020203020207" pitchFamily="50" charset="-128"/>
-              </a:rPr>
-              <a:t>傾きを追加していこう！</a:t>
-            </a:r>
-            <a:endParaRPr kumimoji="1" lang="en-US" altLang="ja-JP" dirty="0">
+            <a:endParaRPr kumimoji="1" lang="ja-JP" altLang="en-US" sz="3200" dirty="0">
               <a:latin typeface="ノスタルドット（M+）" panose="020B0302020203020207" pitchFamily="50" charset="-128"/>
               <a:ea typeface="ノスタルドット（M+）" panose="020B0302020203020207" pitchFamily="50" charset="-128"/>
             </a:endParaRPr>
@@ -5295,7 +5189,7 @@
         <p:spPr>
           <a:xfrm>
             <a:off x="3004489" y="6659157"/>
-            <a:ext cx="184731" cy="461665"/>
+            <a:ext cx="184731" cy="584775"/>
           </a:xfrm>
           <a:prstGeom prst="rect">
             <a:avLst/>
@@ -5308,117 +5202,7 @@
           </a:bodyPr>
           <a:lstStyle/>
           <a:p>
-            <a:endParaRPr kumimoji="1" lang="ja-JP" altLang="en-US" sz="2400" dirty="0">
-              <a:latin typeface="ノスタルドット（M+）" panose="020B0302020203020207" pitchFamily="50" charset="-128"/>
-              <a:ea typeface="ノスタルドット（M+）" panose="020B0302020203020207" pitchFamily="50" charset="-128"/>
-            </a:endParaRPr>
-          </a:p>
-        </p:txBody>
-      </p:sp>
-      <p:sp>
-        <p:nvSpPr>
-          <p:cNvPr id="24" name="テキスト ボックス 23">
-            <a:extLst>
-              <a:ext uri="{FF2B5EF4-FFF2-40B4-BE49-F238E27FC236}">
-                <a16:creationId xmlns:a16="http://schemas.microsoft.com/office/drawing/2014/main" id="{E02417CB-6C74-CFA3-5539-F53A0CBE5DB1}"/>
-              </a:ext>
-            </a:extLst>
-          </p:cNvPr>
-          <p:cNvSpPr txBox="1"/>
-          <p:nvPr/>
-        </p:nvSpPr>
-        <p:spPr>
-          <a:xfrm>
-            <a:off x="818520" y="6044769"/>
-            <a:ext cx="3416320" cy="646331"/>
-          </a:xfrm>
-          <a:prstGeom prst="rect">
-            <a:avLst/>
-          </a:prstGeom>
-          <a:noFill/>
-        </p:spPr>
-        <p:txBody>
-          <a:bodyPr wrap="none" rtlCol="0">
-            <a:spAutoFit/>
-          </a:bodyPr>
-          <a:lstStyle/>
-          <a:p>
-            <a:r>
-              <a:rPr kumimoji="1" lang="ja-JP" altLang="en-US" dirty="0">
-                <a:latin typeface="ノスタルドット（M+）" panose="020B0302020203020207" pitchFamily="50" charset="-128"/>
-                <a:ea typeface="ノスタルドット（M+）" panose="020B0302020203020207" pitchFamily="50" charset="-128"/>
-              </a:rPr>
-              <a:t>仮で使っていたリソースを</a:t>
-            </a:r>
-            <a:endParaRPr kumimoji="1" lang="en-US" altLang="ja-JP" dirty="0">
-              <a:latin typeface="ノスタルドット（M+）" panose="020B0302020203020207" pitchFamily="50" charset="-128"/>
-              <a:ea typeface="ノスタルドット（M+）" panose="020B0302020203020207" pitchFamily="50" charset="-128"/>
-            </a:endParaRPr>
-          </a:p>
-          <a:p>
-            <a:r>
-              <a:rPr kumimoji="1" lang="ja-JP" altLang="en-US" dirty="0">
-                <a:latin typeface="ノスタルドット（M+）" panose="020B0302020203020207" pitchFamily="50" charset="-128"/>
-                <a:ea typeface="ノスタルドット（M+）" panose="020B0302020203020207" pitchFamily="50" charset="-128"/>
-              </a:rPr>
-              <a:t>デビル達に置き換えていこう！</a:t>
-            </a:r>
-            <a:endParaRPr kumimoji="1" lang="en-US" altLang="ja-JP" dirty="0">
-              <a:latin typeface="ノスタルドット（M+）" panose="020B0302020203020207" pitchFamily="50" charset="-128"/>
-              <a:ea typeface="ノスタルドット（M+）" panose="020B0302020203020207" pitchFamily="50" charset="-128"/>
-            </a:endParaRPr>
-          </a:p>
-        </p:txBody>
-      </p:sp>
-      <p:sp>
-        <p:nvSpPr>
-          <p:cNvPr id="26" name="テキスト ボックス 25">
-            <a:extLst>
-              <a:ext uri="{FF2B5EF4-FFF2-40B4-BE49-F238E27FC236}">
-                <a16:creationId xmlns:a16="http://schemas.microsoft.com/office/drawing/2014/main" id="{AD773F9F-59EF-2192-F472-BF5F069EF8D3}"/>
-              </a:ext>
-            </a:extLst>
-          </p:cNvPr>
-          <p:cNvSpPr txBox="1"/>
-          <p:nvPr/>
-        </p:nvSpPr>
-        <p:spPr>
-          <a:xfrm>
-            <a:off x="724116" y="8272951"/>
-            <a:ext cx="2954655" cy="646331"/>
-          </a:xfrm>
-          <a:prstGeom prst="rect">
-            <a:avLst/>
-          </a:prstGeom>
-          <a:noFill/>
-        </p:spPr>
-        <p:txBody>
-          <a:bodyPr wrap="none" rtlCol="0">
-            <a:spAutoFit/>
-          </a:bodyPr>
-          <a:lstStyle/>
-          <a:p>
-            <a:r>
-              <a:rPr kumimoji="1" lang="ja-JP" altLang="en-US" dirty="0">
-                <a:latin typeface="ノスタルドット（M+）" panose="020B0302020203020207" pitchFamily="50" charset="-128"/>
-                <a:ea typeface="ノスタルドット（M+）" panose="020B0302020203020207" pitchFamily="50" charset="-128"/>
-              </a:rPr>
-              <a:t>デバッグとブース制作を</a:t>
-            </a:r>
-            <a:endParaRPr kumimoji="1" lang="en-US" altLang="ja-JP" dirty="0">
-              <a:latin typeface="ノスタルドット（M+）" panose="020B0302020203020207" pitchFamily="50" charset="-128"/>
-              <a:ea typeface="ノスタルドット（M+）" panose="020B0302020203020207" pitchFamily="50" charset="-128"/>
-            </a:endParaRPr>
-          </a:p>
-          <a:p>
-            <a:r>
-              <a:rPr kumimoji="1" lang="ja-JP" altLang="en-US" dirty="0">
-                <a:latin typeface="ノスタルドット（M+）" panose="020B0302020203020207" pitchFamily="50" charset="-128"/>
-                <a:ea typeface="ノスタルドット（M+）" panose="020B0302020203020207" pitchFamily="50" charset="-128"/>
-              </a:rPr>
-              <a:t>同時並行で進めていこう！</a:t>
-            </a:r>
-            <a:endParaRPr kumimoji="1" lang="en-US" altLang="ja-JP" dirty="0">
+            <a:endParaRPr kumimoji="1" lang="ja-JP" altLang="en-US" sz="3200" dirty="0">
               <a:latin typeface="ノスタルドット（M+）" panose="020B0302020203020207" pitchFamily="50" charset="-128"/>
               <a:ea typeface="ノスタルドット（M+）" panose="020B0302020203020207" pitchFamily="50" charset="-128"/>
             </a:endParaRPr>
@@ -5440,7 +5224,7 @@
         <p:spPr>
           <a:xfrm>
             <a:off x="2349391" y="1285962"/>
-            <a:ext cx="2031325" cy="461665"/>
+            <a:ext cx="2646878" cy="584775"/>
           </a:xfrm>
           <a:prstGeom prst="rect">
             <a:avLst/>
@@ -5454,7 +5238,7 @@
           <a:lstStyle/>
           <a:p>
             <a:r>
-              <a:rPr kumimoji="1" lang="ja-JP" altLang="en-US" sz="2400" dirty="0">
+              <a:rPr kumimoji="1" lang="ja-JP" altLang="en-US" sz="3200" dirty="0">
                 <a:latin typeface="ノスタルドット（M+）" panose="020B0302020203020207" pitchFamily="50" charset="-128"/>
                 <a:ea typeface="ノスタルドット（M+）" panose="020B0302020203020207" pitchFamily="50" charset="-128"/>
               </a:rPr>
@@ -5478,7 +5262,7 @@
         <p:spPr>
           <a:xfrm>
             <a:off x="2349391" y="3428825"/>
-            <a:ext cx="2339102" cy="461665"/>
+            <a:ext cx="3057247" cy="584775"/>
           </a:xfrm>
           <a:prstGeom prst="rect">
             <a:avLst/>
@@ -5492,7 +5276,7 @@
           <a:lstStyle/>
           <a:p>
             <a:r>
-              <a:rPr kumimoji="1" lang="ja-JP" altLang="en-US" sz="2400" dirty="0">
+              <a:rPr kumimoji="1" lang="ja-JP" altLang="en-US" sz="3200" dirty="0">
                 <a:latin typeface="ノスタルドット（M+）" panose="020B0302020203020207" pitchFamily="50" charset="-128"/>
                 <a:ea typeface="ノスタルドット（M+）" panose="020B0302020203020207" pitchFamily="50" charset="-128"/>
               </a:rPr>
@@ -5516,7 +5300,7 @@
         <p:spPr>
           <a:xfrm>
             <a:off x="2349391" y="5553689"/>
-            <a:ext cx="2646878" cy="461665"/>
+            <a:ext cx="3467616" cy="584775"/>
           </a:xfrm>
           <a:prstGeom prst="rect">
             <a:avLst/>
@@ -5530,7 +5314,7 @@
           <a:lstStyle/>
           <a:p>
             <a:r>
-              <a:rPr kumimoji="1" lang="ja-JP" altLang="en-US" sz="2400" dirty="0">
+              <a:rPr kumimoji="1" lang="ja-JP" altLang="en-US" sz="3200" dirty="0">
                 <a:latin typeface="ノスタルドット（M+）" panose="020B0302020203020207" pitchFamily="50" charset="-128"/>
                 <a:ea typeface="ノスタルドット（M+）" panose="020B0302020203020207" pitchFamily="50" charset="-128"/>
               </a:rPr>
@@ -5554,7 +5338,7 @@
         <p:spPr>
           <a:xfrm>
             <a:off x="2349391" y="7741760"/>
-            <a:ext cx="2646878" cy="461665"/>
+            <a:ext cx="3467616" cy="584775"/>
           </a:xfrm>
           <a:prstGeom prst="rect">
             <a:avLst/>
@@ -5568,7 +5352,7 @@
           <a:lstStyle/>
           <a:p>
             <a:r>
-              <a:rPr kumimoji="1" lang="ja-JP" altLang="en-US" sz="2400" dirty="0">
+              <a:rPr kumimoji="1" lang="ja-JP" altLang="en-US" sz="3200" dirty="0">
                 <a:latin typeface="ノスタルドット（M+）" panose="020B0302020203020207" pitchFamily="50" charset="-128"/>
                 <a:ea typeface="ノスタルドット（M+）" panose="020B0302020203020207" pitchFamily="50" charset="-128"/>
               </a:rPr>
@@ -5632,6 +5416,222 @@
               </a:rPr>
               <a:t>想定のスケジュール</a:t>
             </a:r>
+          </a:p>
+        </p:txBody>
+      </p:sp>
+      <p:sp>
+        <p:nvSpPr>
+          <p:cNvPr id="2" name="テキスト ボックス 1">
+            <a:extLst>
+              <a:ext uri="{FF2B5EF4-FFF2-40B4-BE49-F238E27FC236}">
+                <a16:creationId xmlns:a16="http://schemas.microsoft.com/office/drawing/2014/main" id="{43821DDE-DABA-0FA1-4FC2-A4CD05E2ABAC}"/>
+              </a:ext>
+            </a:extLst>
+          </p:cNvPr>
+          <p:cNvSpPr txBox="1"/>
+          <p:nvPr/>
+        </p:nvSpPr>
+        <p:spPr>
+          <a:xfrm>
+            <a:off x="603272" y="1772842"/>
+            <a:ext cx="3262432" cy="830997"/>
+          </a:xfrm>
+          <a:prstGeom prst="rect">
+            <a:avLst/>
+          </a:prstGeom>
+          <a:noFill/>
+        </p:spPr>
+        <p:txBody>
+          <a:bodyPr wrap="none" rtlCol="0">
+            <a:spAutoFit/>
+          </a:bodyPr>
+          <a:lstStyle/>
+          <a:p>
+            <a:r>
+              <a:rPr kumimoji="1" lang="ja-JP" altLang="en-US" sz="2400" dirty="0">
+                <a:latin typeface="ノスタルドット（M+）" panose="020B0302020203020207" pitchFamily="50" charset="-128"/>
+                <a:ea typeface="ノスタルドット（M+）" panose="020B0302020203020207" pitchFamily="50" charset="-128"/>
+              </a:rPr>
+              <a:t>ひとまず原作を</a:t>
+            </a:r>
+            <a:endParaRPr kumimoji="1" lang="en-US" altLang="ja-JP" sz="2400" dirty="0">
+              <a:latin typeface="ノスタルドット（M+）" panose="020B0302020203020207" pitchFamily="50" charset="-128"/>
+              <a:ea typeface="ノスタルドット（M+）" panose="020B0302020203020207" pitchFamily="50" charset="-128"/>
+            </a:endParaRPr>
+          </a:p>
+          <a:p>
+            <a:r>
+              <a:rPr kumimoji="1" lang="ja-JP" altLang="en-US" sz="2400" dirty="0">
+                <a:latin typeface="ノスタルドット（M+）" panose="020B0302020203020207" pitchFamily="50" charset="-128"/>
+                <a:ea typeface="ノスタルドット（M+）" panose="020B0302020203020207" pitchFamily="50" charset="-128"/>
+              </a:rPr>
+              <a:t>完全再現してみよう！</a:t>
+            </a:r>
+          </a:p>
+        </p:txBody>
+      </p:sp>
+      <p:sp>
+        <p:nvSpPr>
+          <p:cNvPr id="3" name="テキスト ボックス 2">
+            <a:extLst>
+              <a:ext uri="{FF2B5EF4-FFF2-40B4-BE49-F238E27FC236}">
+                <a16:creationId xmlns:a16="http://schemas.microsoft.com/office/drawing/2014/main" id="{9D94C4A2-EE77-C3C5-D3BA-4A5B502E069F}"/>
+              </a:ext>
+            </a:extLst>
+          </p:cNvPr>
+          <p:cNvSpPr txBox="1"/>
+          <p:nvPr/>
+        </p:nvSpPr>
+        <p:spPr>
+          <a:xfrm>
+            <a:off x="603272" y="3914740"/>
+            <a:ext cx="3570208" cy="830997"/>
+          </a:xfrm>
+          <a:prstGeom prst="rect">
+            <a:avLst/>
+          </a:prstGeom>
+          <a:noFill/>
+        </p:spPr>
+        <p:txBody>
+          <a:bodyPr wrap="none" rtlCol="0">
+            <a:spAutoFit/>
+          </a:bodyPr>
+          <a:lstStyle/>
+          <a:p>
+            <a:r>
+              <a:rPr kumimoji="1" lang="ja-JP" altLang="en-US" sz="2400" dirty="0">
+                <a:latin typeface="ノスタルドット（M+）" panose="020B0302020203020207" pitchFamily="50" charset="-128"/>
+                <a:ea typeface="ノスタルドット（M+）" panose="020B0302020203020207" pitchFamily="50" charset="-128"/>
+              </a:rPr>
+              <a:t>原作の要素を残しつつ</a:t>
+            </a:r>
+            <a:endParaRPr kumimoji="1" lang="en-US" altLang="ja-JP" sz="2400" dirty="0">
+              <a:latin typeface="ノスタルドット（M+）" panose="020B0302020203020207" pitchFamily="50" charset="-128"/>
+              <a:ea typeface="ノスタルドット（M+）" panose="020B0302020203020207" pitchFamily="50" charset="-128"/>
+            </a:endParaRPr>
+          </a:p>
+          <a:p>
+            <a:r>
+              <a:rPr kumimoji="1" lang="ja-JP" altLang="en-US" sz="2400" dirty="0">
+                <a:latin typeface="ノスタルドット（M+）" panose="020B0302020203020207" pitchFamily="50" charset="-128"/>
+                <a:ea typeface="ノスタルドット（M+）" panose="020B0302020203020207" pitchFamily="50" charset="-128"/>
+              </a:rPr>
+              <a:t>傾きを追加していこう！</a:t>
+            </a:r>
+            <a:endParaRPr kumimoji="1" lang="en-US" altLang="ja-JP" sz="2400" dirty="0">
+              <a:latin typeface="ノスタルドット（M+）" panose="020B0302020203020207" pitchFamily="50" charset="-128"/>
+              <a:ea typeface="ノスタルドット（M+）" panose="020B0302020203020207" pitchFamily="50" charset="-128"/>
+            </a:endParaRPr>
+          </a:p>
+        </p:txBody>
+      </p:sp>
+      <p:sp>
+        <p:nvSpPr>
+          <p:cNvPr id="4" name="テキスト ボックス 3">
+            <a:extLst>
+              <a:ext uri="{FF2B5EF4-FFF2-40B4-BE49-F238E27FC236}">
+                <a16:creationId xmlns:a16="http://schemas.microsoft.com/office/drawing/2014/main" id="{1CDE1DDB-6EEE-9731-C8F3-9BA8AB9F90C5}"/>
+              </a:ext>
+            </a:extLst>
+          </p:cNvPr>
+          <p:cNvSpPr txBox="1"/>
+          <p:nvPr/>
+        </p:nvSpPr>
+        <p:spPr>
+          <a:xfrm>
+            <a:off x="603272" y="6044978"/>
+            <a:ext cx="4493538" cy="830997"/>
+          </a:xfrm>
+          <a:prstGeom prst="rect">
+            <a:avLst/>
+          </a:prstGeom>
+          <a:noFill/>
+        </p:spPr>
+        <p:txBody>
+          <a:bodyPr wrap="none" rtlCol="0">
+            <a:spAutoFit/>
+          </a:bodyPr>
+          <a:lstStyle/>
+          <a:p>
+            <a:r>
+              <a:rPr kumimoji="1" lang="ja-JP" altLang="en-US" sz="2400" dirty="0">
+                <a:latin typeface="ノスタルドット（M+）" panose="020B0302020203020207" pitchFamily="50" charset="-128"/>
+                <a:ea typeface="ノスタルドット（M+）" panose="020B0302020203020207" pitchFamily="50" charset="-128"/>
+              </a:rPr>
+              <a:t>仮で使っていたリソースを</a:t>
+            </a:r>
+            <a:endParaRPr kumimoji="1" lang="en-US" altLang="ja-JP" sz="2400" dirty="0">
+              <a:latin typeface="ノスタルドット（M+）" panose="020B0302020203020207" pitchFamily="50" charset="-128"/>
+              <a:ea typeface="ノスタルドット（M+）" panose="020B0302020203020207" pitchFamily="50" charset="-128"/>
+            </a:endParaRPr>
+          </a:p>
+          <a:p>
+            <a:r>
+              <a:rPr kumimoji="1" lang="ja-JP" altLang="en-US" sz="2400" dirty="0">
+                <a:latin typeface="ノスタルドット（M+）" panose="020B0302020203020207" pitchFamily="50" charset="-128"/>
+                <a:ea typeface="ノスタルドット（M+）" panose="020B0302020203020207" pitchFamily="50" charset="-128"/>
+              </a:rPr>
+              <a:t>デビル達に置き換えていこう！</a:t>
+            </a:r>
+            <a:endParaRPr kumimoji="1" lang="en-US" altLang="ja-JP" sz="2400" dirty="0">
+              <a:latin typeface="ノスタルドット（M+）" panose="020B0302020203020207" pitchFamily="50" charset="-128"/>
+              <a:ea typeface="ノスタルドット（M+）" panose="020B0302020203020207" pitchFamily="50" charset="-128"/>
+            </a:endParaRPr>
+          </a:p>
+        </p:txBody>
+      </p:sp>
+      <p:sp>
+        <p:nvSpPr>
+          <p:cNvPr id="5" name="テキスト ボックス 4">
+            <a:extLst>
+              <a:ext uri="{FF2B5EF4-FFF2-40B4-BE49-F238E27FC236}">
+                <a16:creationId xmlns:a16="http://schemas.microsoft.com/office/drawing/2014/main" id="{DF798B2E-9998-4A74-6C8B-C6718957B0DE}"/>
+              </a:ext>
+            </a:extLst>
+          </p:cNvPr>
+          <p:cNvSpPr txBox="1"/>
+          <p:nvPr/>
+        </p:nvSpPr>
+        <p:spPr>
+          <a:xfrm>
+            <a:off x="603272" y="8227675"/>
+            <a:ext cx="3877985" cy="830997"/>
+          </a:xfrm>
+          <a:prstGeom prst="rect">
+            <a:avLst/>
+          </a:prstGeom>
+          <a:noFill/>
+        </p:spPr>
+        <p:txBody>
+          <a:bodyPr wrap="none" rtlCol="0">
+            <a:spAutoFit/>
+          </a:bodyPr>
+          <a:lstStyle/>
+          <a:p>
+            <a:r>
+              <a:rPr kumimoji="1" lang="ja-JP" altLang="en-US" sz="2400" dirty="0">
+                <a:latin typeface="ノスタルドット（M+）" panose="020B0302020203020207" pitchFamily="50" charset="-128"/>
+                <a:ea typeface="ノスタルドット（M+）" panose="020B0302020203020207" pitchFamily="50" charset="-128"/>
+              </a:rPr>
+              <a:t>デバッグとブース制作を</a:t>
+            </a:r>
+            <a:endParaRPr kumimoji="1" lang="en-US" altLang="ja-JP" sz="2400" dirty="0">
+              <a:latin typeface="ノスタルドット（M+）" panose="020B0302020203020207" pitchFamily="50" charset="-128"/>
+              <a:ea typeface="ノスタルドット（M+）" panose="020B0302020203020207" pitchFamily="50" charset="-128"/>
+            </a:endParaRPr>
+          </a:p>
+          <a:p>
+            <a:r>
+              <a:rPr kumimoji="1" lang="ja-JP" altLang="en-US" sz="2400" dirty="0">
+                <a:latin typeface="ノスタルドット（M+）" panose="020B0302020203020207" pitchFamily="50" charset="-128"/>
+                <a:ea typeface="ノスタルドット（M+）" panose="020B0302020203020207" pitchFamily="50" charset="-128"/>
+              </a:rPr>
+              <a:t>同時並行で進めていこう！</a:t>
+            </a:r>
+            <a:endParaRPr kumimoji="1" lang="en-US" altLang="ja-JP" sz="2400" dirty="0">
+              <a:latin typeface="ノスタルドット（M+）" panose="020B0302020203020207" pitchFamily="50" charset="-128"/>
+              <a:ea typeface="ノスタルドット（M+）" panose="020B0302020203020207" pitchFamily="50" charset="-128"/>
+            </a:endParaRPr>
           </a:p>
         </p:txBody>
       </p:sp>
@@ -5671,6 +5671,42 @@
           <a:chExt cx="0" cy="0"/>
         </a:xfrm>
       </p:grpSpPr>
+      <p:pic>
+        <p:nvPicPr>
+          <p:cNvPr id="5" name="図 4" descr="屋内, おもちゃ, 座る, 小さい が含まれている画像&#10;&#10;自動的に生成された説明">
+            <a:extLst>
+              <a:ext uri="{FF2B5EF4-FFF2-40B4-BE49-F238E27FC236}">
+                <a16:creationId xmlns:a16="http://schemas.microsoft.com/office/drawing/2014/main" id="{63B53870-E53E-EF1D-642A-06D24A5D1EFF}"/>
+              </a:ext>
+            </a:extLst>
+          </p:cNvPr>
+          <p:cNvPicPr>
+            <a:picLocks noChangeAspect="1"/>
+          </p:cNvPicPr>
+          <p:nvPr/>
+        </p:nvPicPr>
+        <p:blipFill>
+          <a:blip r:embed="rId2">
+            <a:extLst>
+              <a:ext uri="{28A0092B-C50C-407E-A947-70E740481C1C}">
+                <a14:useLocalDpi xmlns:a14="http://schemas.microsoft.com/office/drawing/2010/main" val="0"/>
+              </a:ext>
+            </a:extLst>
+          </a:blip>
+          <a:stretch>
+            <a:fillRect/>
+          </a:stretch>
+        </p:blipFill>
+        <p:spPr>
+          <a:xfrm>
+            <a:off x="3499964" y="5428695"/>
+            <a:ext cx="3193691" cy="1796451"/>
+          </a:xfrm>
+          <a:prstGeom prst="rect">
+            <a:avLst/>
+          </a:prstGeom>
+        </p:spPr>
+      </p:pic>
       <p:sp>
         <p:nvSpPr>
           <p:cNvPr id="2" name="タイトル 1">
@@ -5774,8 +5810,8 @@
         </p:nvSpPr>
         <p:spPr>
           <a:xfrm>
-            <a:off x="903520" y="1826960"/>
-            <a:ext cx="4339650" cy="646331"/>
+            <a:off x="603272" y="1772842"/>
+            <a:ext cx="5724644" cy="830997"/>
           </a:xfrm>
           <a:prstGeom prst="rect">
             <a:avLst/>
@@ -5789,20 +5825,20 @@
           <a:lstStyle/>
           <a:p>
             <a:r>
-              <a:rPr kumimoji="1" lang="ja-JP" altLang="en-US" dirty="0">
+              <a:rPr kumimoji="1" lang="ja-JP" altLang="en-US" sz="2400" dirty="0">
                 <a:latin typeface="ノスタルドット（M+）" panose="020B0302020203020207" pitchFamily="50" charset="-128"/>
                 <a:ea typeface="ノスタルドット（M+）" panose="020B0302020203020207" pitchFamily="50" charset="-128"/>
               </a:rPr>
               <a:t>原作再現どころか</a:t>
             </a:r>
-            <a:endParaRPr kumimoji="1" lang="en-US" altLang="ja-JP" dirty="0">
+            <a:endParaRPr kumimoji="1" lang="en-US" altLang="ja-JP" sz="2400" dirty="0">
               <a:latin typeface="ノスタルドット（M+）" panose="020B0302020203020207" pitchFamily="50" charset="-128"/>
               <a:ea typeface="ノスタルドット（M+）" panose="020B0302020203020207" pitchFamily="50" charset="-128"/>
             </a:endParaRPr>
           </a:p>
           <a:p>
             <a:r>
-              <a:rPr kumimoji="1" lang="ja-JP" altLang="en-US" dirty="0">
+              <a:rPr kumimoji="1" lang="ja-JP" altLang="en-US" sz="2400" dirty="0">
                 <a:latin typeface="ノスタルドット（M+）" panose="020B0302020203020207" pitchFamily="50" charset="-128"/>
                 <a:ea typeface="ノスタルドット（M+）" panose="020B0302020203020207" pitchFamily="50" charset="-128"/>
               </a:rPr>
@@ -5825,8 +5861,8 @@
         </p:nvSpPr>
         <p:spPr>
           <a:xfrm>
-            <a:off x="864849" y="4040562"/>
-            <a:ext cx="3185487" cy="646331"/>
+            <a:off x="603272" y="3914740"/>
+            <a:ext cx="4185761" cy="830997"/>
           </a:xfrm>
           <a:prstGeom prst="rect">
             <a:avLst/>
@@ -5840,26 +5876,26 @@
           <a:lstStyle/>
           <a:p>
             <a:r>
-              <a:rPr kumimoji="1" lang="ja-JP" altLang="en-US" dirty="0">
+              <a:rPr kumimoji="1" lang="ja-JP" altLang="en-US" sz="2400" dirty="0">
                 <a:latin typeface="ノスタルドット（M+）" panose="020B0302020203020207" pitchFamily="50" charset="-128"/>
                 <a:ea typeface="ノスタルドット（M+）" panose="020B0302020203020207" pitchFamily="50" charset="-128"/>
               </a:rPr>
               <a:t>想定よりも１カ月早く</a:t>
             </a:r>
-            <a:endParaRPr kumimoji="1" lang="en-US" altLang="ja-JP" dirty="0">
+            <a:endParaRPr kumimoji="1" lang="en-US" altLang="ja-JP" sz="2400" dirty="0">
               <a:latin typeface="ノスタルドット（M+）" panose="020B0302020203020207" pitchFamily="50" charset="-128"/>
               <a:ea typeface="ノスタルドット（M+）" panose="020B0302020203020207" pitchFamily="50" charset="-128"/>
             </a:endParaRPr>
           </a:p>
           <a:p>
             <a:r>
-              <a:rPr kumimoji="1" lang="ja-JP" altLang="en-US" dirty="0">
+              <a:rPr kumimoji="1" lang="ja-JP" altLang="en-US" sz="2400" dirty="0">
                 <a:latin typeface="ノスタルドット（M+）" panose="020B0302020203020207" pitchFamily="50" charset="-128"/>
                 <a:ea typeface="ノスタルドット（M+）" panose="020B0302020203020207" pitchFamily="50" charset="-128"/>
               </a:rPr>
               <a:t>インゲーム部分が完成した！</a:t>
             </a:r>
-            <a:endParaRPr kumimoji="1" lang="en-US" altLang="ja-JP" dirty="0">
+            <a:endParaRPr kumimoji="1" lang="en-US" altLang="ja-JP" sz="2400" dirty="0">
               <a:latin typeface="ノスタルドット（M+）" panose="020B0302020203020207" pitchFamily="50" charset="-128"/>
               <a:ea typeface="ノスタルドット（M+）" panose="020B0302020203020207" pitchFamily="50" charset="-128"/>
             </a:endParaRPr>
@@ -5880,8 +5916,8 @@
         </p:nvSpPr>
         <p:spPr>
           <a:xfrm>
-            <a:off x="818520" y="6044769"/>
-            <a:ext cx="4801314" cy="646331"/>
+            <a:off x="603272" y="6044978"/>
+            <a:ext cx="6340197" cy="830997"/>
           </a:xfrm>
           <a:prstGeom prst="rect">
             <a:avLst/>
@@ -5895,26 +5931,26 @@
           <a:lstStyle/>
           <a:p>
             <a:r>
-              <a:rPr kumimoji="1" lang="ja-JP" altLang="en-US" dirty="0">
+              <a:rPr kumimoji="1" lang="ja-JP" altLang="en-US" sz="2400" dirty="0">
                 <a:latin typeface="ノスタルドット（M+）" panose="020B0302020203020207" pitchFamily="50" charset="-128"/>
                 <a:ea typeface="ノスタルドット（M+）" panose="020B0302020203020207" pitchFamily="50" charset="-128"/>
               </a:rPr>
               <a:t>速度重視の実装をしたことで</a:t>
             </a:r>
-            <a:endParaRPr kumimoji="1" lang="en-US" altLang="ja-JP" dirty="0">
+            <a:endParaRPr kumimoji="1" lang="en-US" altLang="ja-JP" sz="2400" dirty="0">
               <a:latin typeface="ノスタルドット（M+）" panose="020B0302020203020207" pitchFamily="50" charset="-128"/>
               <a:ea typeface="ノスタルドット（M+）" panose="020B0302020203020207" pitchFamily="50" charset="-128"/>
             </a:endParaRPr>
           </a:p>
           <a:p>
             <a:r>
-              <a:rPr kumimoji="1" lang="ja-JP" altLang="en-US" dirty="0">
+              <a:rPr kumimoji="1" lang="ja-JP" altLang="en-US" sz="2400" dirty="0">
                 <a:latin typeface="ノスタルドット（M+）" panose="020B0302020203020207" pitchFamily="50" charset="-128"/>
                 <a:ea typeface="ノスタルドット（M+）" panose="020B0302020203020207" pitchFamily="50" charset="-128"/>
               </a:rPr>
               <a:t>クラス設計に問題が生じ山のようなバグが！</a:t>
             </a:r>
-            <a:endParaRPr kumimoji="1" lang="en-US" altLang="ja-JP" dirty="0">
+            <a:endParaRPr kumimoji="1" lang="en-US" altLang="ja-JP" sz="2400" dirty="0">
               <a:latin typeface="ノスタルドット（M+）" panose="020B0302020203020207" pitchFamily="50" charset="-128"/>
               <a:ea typeface="ノスタルドット（M+）" panose="020B0302020203020207" pitchFamily="50" charset="-128"/>
             </a:endParaRPr>
@@ -5935,8 +5971,8 @@
         </p:nvSpPr>
         <p:spPr>
           <a:xfrm>
-            <a:off x="724116" y="8272951"/>
-            <a:ext cx="4528804" cy="646331"/>
+            <a:off x="603272" y="8227675"/>
+            <a:ext cx="6032421" cy="830997"/>
           </a:xfrm>
           <a:prstGeom prst="rect">
             <a:avLst/>
@@ -5950,27 +5986,27 @@
           <a:lstStyle/>
           <a:p>
             <a:r>
-              <a:rPr kumimoji="1" lang="ja-JP" altLang="en-US" dirty="0">
+              <a:rPr kumimoji="1" lang="ja-JP" altLang="en-US" sz="2400" dirty="0">
                 <a:latin typeface="ノスタルドット（M+）" panose="020B0302020203020207" pitchFamily="50" charset="-128"/>
                 <a:ea typeface="ノスタルドット（M+）" panose="020B0302020203020207" pitchFamily="50" charset="-128"/>
               </a:rPr>
               <a:t>減る気配のないバグに対して</a:t>
             </a:r>
-            <a:endParaRPr kumimoji="1" lang="en-US" altLang="ja-JP" dirty="0">
+            <a:endParaRPr kumimoji="1" lang="en-US" altLang="ja-JP" sz="2400" dirty="0">
               <a:latin typeface="ノスタルドット（M+）" panose="020B0302020203020207" pitchFamily="50" charset="-128"/>
               <a:ea typeface="ノスタルドット（M+）" panose="020B0302020203020207" pitchFamily="50" charset="-128"/>
             </a:endParaRPr>
           </a:p>
           <a:p>
             <a:r>
-              <a:rPr kumimoji="1" lang="ja-JP" altLang="en-US" dirty="0">
+              <a:rPr kumimoji="1" lang="ja-JP" altLang="en-US" sz="2400" dirty="0">
                 <a:latin typeface="ノスタルドット（M+）" panose="020B0302020203020207" pitchFamily="50" charset="-128"/>
                 <a:ea typeface="ノスタルドット（M+）" panose="020B0302020203020207" pitchFamily="50" charset="-128"/>
               </a:rPr>
               <a:t>就活や自己都合でメンバーが大幅に減少</a:t>
             </a:r>
             <a:r>
-              <a:rPr kumimoji="1" lang="en-US" altLang="ja-JP" dirty="0">
+              <a:rPr kumimoji="1" lang="en-US" altLang="ja-JP" sz="2400" dirty="0">
                 <a:latin typeface="ノスタルドット（M+）" panose="020B0302020203020207" pitchFamily="50" charset="-128"/>
                 <a:ea typeface="ノスタルドット（M+）" panose="020B0302020203020207" pitchFamily="50" charset="-128"/>
               </a:rPr>
@@ -5994,7 +6030,7 @@
         <p:spPr>
           <a:xfrm>
             <a:off x="2349391" y="1285962"/>
-            <a:ext cx="2646878" cy="461665"/>
+            <a:ext cx="3467616" cy="584775"/>
           </a:xfrm>
           <a:prstGeom prst="rect">
             <a:avLst/>
@@ -6008,7 +6044,7 @@
           <a:lstStyle/>
           <a:p>
             <a:r>
-              <a:rPr kumimoji="1" lang="ja-JP" altLang="en-US" sz="2400" dirty="0">
+              <a:rPr kumimoji="1" lang="ja-JP" altLang="en-US" sz="3200" dirty="0">
                 <a:latin typeface="ノスタルドット（M+）" panose="020B0302020203020207" pitchFamily="50" charset="-128"/>
                 <a:ea typeface="ノスタルドット（M+）" panose="020B0302020203020207" pitchFamily="50" charset="-128"/>
               </a:rPr>
@@ -6032,7 +6068,7 @@
         <p:spPr>
           <a:xfrm>
             <a:off x="2349391" y="3428825"/>
-            <a:ext cx="2954655" cy="461665"/>
+            <a:ext cx="3877985" cy="584775"/>
           </a:xfrm>
           <a:prstGeom prst="rect">
             <a:avLst/>
@@ -6046,7 +6082,7 @@
           <a:lstStyle/>
           <a:p>
             <a:r>
-              <a:rPr kumimoji="1" lang="ja-JP" altLang="en-US" sz="2400" dirty="0">
+              <a:rPr kumimoji="1" lang="ja-JP" altLang="en-US" sz="3200" dirty="0">
                 <a:latin typeface="ノスタルドット（M+）" panose="020B0302020203020207" pitchFamily="50" charset="-128"/>
                 <a:ea typeface="ノスタルドット（M+）" panose="020B0302020203020207" pitchFamily="50" charset="-128"/>
               </a:rPr>
@@ -6070,7 +6106,7 @@
         <p:spPr>
           <a:xfrm>
             <a:off x="2349391" y="5553689"/>
-            <a:ext cx="3262432" cy="461665"/>
+            <a:ext cx="4288353" cy="584775"/>
           </a:xfrm>
           <a:prstGeom prst="rect">
             <a:avLst/>
@@ -6084,7 +6120,7 @@
           <a:lstStyle/>
           <a:p>
             <a:r>
-              <a:rPr kumimoji="1" lang="ja-JP" altLang="en-US" sz="2400" dirty="0">
+              <a:rPr kumimoji="1" lang="ja-JP" altLang="en-US" sz="3200" dirty="0">
                 <a:latin typeface="ノスタルドット（M+）" panose="020B0302020203020207" pitchFamily="50" charset="-128"/>
                 <a:ea typeface="ノスタルドット（M+）" panose="020B0302020203020207" pitchFamily="50" charset="-128"/>
               </a:rPr>
@@ -6108,7 +6144,7 @@
         <p:spPr>
           <a:xfrm>
             <a:off x="2349391" y="7741760"/>
-            <a:ext cx="4493538" cy="461665"/>
+            <a:ext cx="3467616" cy="584775"/>
           </a:xfrm>
           <a:prstGeom prst="rect">
             <a:avLst/>
@@ -6122,11 +6158,11 @@
           <a:lstStyle/>
           <a:p>
             <a:r>
-              <a:rPr kumimoji="1" lang="ja-JP" altLang="en-US" sz="2400" dirty="0">
+              <a:rPr kumimoji="1" lang="ja-JP" altLang="en-US" sz="3200" dirty="0">
                 <a:latin typeface="ノスタルドット（M+）" panose="020B0302020203020207" pitchFamily="50" charset="-128"/>
                 <a:ea typeface="ノスタルドット（M+）" panose="020B0302020203020207" pitchFamily="50" charset="-128"/>
               </a:rPr>
-              <a:t>減らないバグと減るメンバー？</a:t>
+              <a:t>メンバーの消失？</a:t>
             </a:r>
           </a:p>
         </p:txBody>
@@ -6145,8 +6181,8 @@
         </p:nvSpPr>
         <p:spPr>
           <a:xfrm rot="20748812">
-            <a:off x="311058" y="1091697"/>
-            <a:ext cx="2698175" cy="523220"/>
+            <a:off x="102114" y="1030142"/>
+            <a:ext cx="3416320" cy="646331"/>
           </a:xfrm>
           <a:prstGeom prst="rect">
             <a:avLst/>
@@ -6160,7 +6196,7 @@
           <a:lstStyle/>
           <a:p>
             <a:r>
-              <a:rPr kumimoji="1" lang="ja-JP" altLang="en-US" sz="2800" dirty="0">
+              <a:rPr kumimoji="1" lang="ja-JP" altLang="en-US" sz="3600" dirty="0">
                 <a:solidFill>
                   <a:schemeClr val="bg1"/>
                 </a:solidFill>
@@ -6194,8 +6230,8 @@
         </p:nvSpPr>
         <p:spPr>
           <a:xfrm rot="20748812">
-            <a:off x="389650" y="3228709"/>
-            <a:ext cx="1980029" cy="523220"/>
+            <a:off x="105874" y="3167154"/>
+            <a:ext cx="2492990" cy="646331"/>
           </a:xfrm>
           <a:prstGeom prst="rect">
             <a:avLst/>
@@ -6209,7 +6245,7 @@
           <a:lstStyle/>
           <a:p>
             <a:r>
-              <a:rPr kumimoji="1" lang="ja-JP" altLang="en-US" sz="2800" dirty="0">
+              <a:rPr kumimoji="1" lang="ja-JP" altLang="en-US" sz="3600" dirty="0">
                 <a:solidFill>
                   <a:schemeClr val="bg1"/>
                 </a:solidFill>
@@ -6243,8 +6279,8 @@
         </p:nvSpPr>
         <p:spPr>
           <a:xfrm rot="20748812">
-            <a:off x="415298" y="5359136"/>
-            <a:ext cx="1620957" cy="523220"/>
+            <a:off x="141874" y="5297581"/>
+            <a:ext cx="2031325" cy="646331"/>
           </a:xfrm>
           <a:prstGeom prst="rect">
             <a:avLst/>
@@ -6258,7 +6294,7 @@
           <a:lstStyle/>
           <a:p>
             <a:r>
-              <a:rPr kumimoji="1" lang="ja-JP" altLang="en-US" sz="2800" dirty="0">
+              <a:rPr kumimoji="1" lang="ja-JP" altLang="en-US" sz="3600" dirty="0">
                 <a:solidFill>
                   <a:schemeClr val="bg1"/>
                 </a:solidFill>
@@ -6292,8 +6328,8 @@
         </p:nvSpPr>
         <p:spPr>
           <a:xfrm rot="20748812">
-            <a:off x="403298" y="7551637"/>
-            <a:ext cx="1980029" cy="523220"/>
+            <a:off x="146818" y="7490082"/>
+            <a:ext cx="2492990" cy="646331"/>
           </a:xfrm>
           <a:prstGeom prst="rect">
             <a:avLst/>
@@ -6307,7 +6343,7 @@
           <a:lstStyle/>
           <a:p>
             <a:r>
-              <a:rPr kumimoji="1" lang="ja-JP" altLang="en-US" sz="2800" dirty="0">
+              <a:rPr kumimoji="1" lang="ja-JP" altLang="en-US" sz="3600" dirty="0">
                 <a:solidFill>
                   <a:schemeClr val="bg1"/>
                 </a:solidFill>
